--- a/Springer_UAV_book/Pictures/Fig6.pptx
+++ b/Springer_UAV_book/Pictures/Fig6.pptx
@@ -289,7 +289,7 @@
             <a:fld id="{1D8BD707-D9CF-40AE-B4C6-C98DA3205C09}" type="datetimeFigureOut">
               <a:rPr lang="en-US" smtClean="0"/>
               <a:pPr/>
-              <a:t>4/11/2012</a:t>
+              <a:t>7/31/2012</a:t>
             </a:fld>
             <a:endParaRPr lang="en-US"/>
           </a:p>
@@ -456,7 +456,7 @@
             <a:fld id="{1D8BD707-D9CF-40AE-B4C6-C98DA3205C09}" type="datetimeFigureOut">
               <a:rPr lang="en-US" smtClean="0"/>
               <a:pPr/>
-              <a:t>4/11/2012</a:t>
+              <a:t>7/31/2012</a:t>
             </a:fld>
             <a:endParaRPr lang="en-US"/>
           </a:p>
@@ -633,7 +633,7 @@
             <a:fld id="{1D8BD707-D9CF-40AE-B4C6-C98DA3205C09}" type="datetimeFigureOut">
               <a:rPr lang="en-US" smtClean="0"/>
               <a:pPr/>
-              <a:t>4/11/2012</a:t>
+              <a:t>7/31/2012</a:t>
             </a:fld>
             <a:endParaRPr lang="en-US"/>
           </a:p>
@@ -800,7 +800,7 @@
             <a:fld id="{1D8BD707-D9CF-40AE-B4C6-C98DA3205C09}" type="datetimeFigureOut">
               <a:rPr lang="en-US" smtClean="0"/>
               <a:pPr/>
-              <a:t>4/11/2012</a:t>
+              <a:t>7/31/2012</a:t>
             </a:fld>
             <a:endParaRPr lang="en-US"/>
           </a:p>
@@ -1043,7 +1043,7 @@
             <a:fld id="{1D8BD707-D9CF-40AE-B4C6-C98DA3205C09}" type="datetimeFigureOut">
               <a:rPr lang="en-US" smtClean="0"/>
               <a:pPr/>
-              <a:t>4/11/2012</a:t>
+              <a:t>7/31/2012</a:t>
             </a:fld>
             <a:endParaRPr lang="en-US"/>
           </a:p>
@@ -1328,7 +1328,7 @@
             <a:fld id="{1D8BD707-D9CF-40AE-B4C6-C98DA3205C09}" type="datetimeFigureOut">
               <a:rPr lang="en-US" smtClean="0"/>
               <a:pPr/>
-              <a:t>4/11/2012</a:t>
+              <a:t>7/31/2012</a:t>
             </a:fld>
             <a:endParaRPr lang="en-US"/>
           </a:p>
@@ -1747,7 +1747,7 @@
             <a:fld id="{1D8BD707-D9CF-40AE-B4C6-C98DA3205C09}" type="datetimeFigureOut">
               <a:rPr lang="en-US" smtClean="0"/>
               <a:pPr/>
-              <a:t>4/11/2012</a:t>
+              <a:t>7/31/2012</a:t>
             </a:fld>
             <a:endParaRPr lang="en-US"/>
           </a:p>
@@ -1862,7 +1862,7 @@
             <a:fld id="{1D8BD707-D9CF-40AE-B4C6-C98DA3205C09}" type="datetimeFigureOut">
               <a:rPr lang="en-US" smtClean="0"/>
               <a:pPr/>
-              <a:t>4/11/2012</a:t>
+              <a:t>7/31/2012</a:t>
             </a:fld>
             <a:endParaRPr lang="en-US"/>
           </a:p>
@@ -1954,7 +1954,7 @@
             <a:fld id="{1D8BD707-D9CF-40AE-B4C6-C98DA3205C09}" type="datetimeFigureOut">
               <a:rPr lang="en-US" smtClean="0"/>
               <a:pPr/>
-              <a:t>4/11/2012</a:t>
+              <a:t>7/31/2012</a:t>
             </a:fld>
             <a:endParaRPr lang="en-US"/>
           </a:p>
@@ -2228,7 +2228,7 @@
             <a:fld id="{1D8BD707-D9CF-40AE-B4C6-C98DA3205C09}" type="datetimeFigureOut">
               <a:rPr lang="en-US" smtClean="0"/>
               <a:pPr/>
-              <a:t>4/11/2012</a:t>
+              <a:t>7/31/2012</a:t>
             </a:fld>
             <a:endParaRPr lang="en-US"/>
           </a:p>
@@ -2478,7 +2478,7 @@
             <a:fld id="{1D8BD707-D9CF-40AE-B4C6-C98DA3205C09}" type="datetimeFigureOut">
               <a:rPr lang="en-US" smtClean="0"/>
               <a:pPr/>
-              <a:t>4/11/2012</a:t>
+              <a:t>7/31/2012</a:t>
             </a:fld>
             <a:endParaRPr lang="en-US"/>
           </a:p>
@@ -2688,7 +2688,7 @@
             <a:fld id="{1D8BD707-D9CF-40AE-B4C6-C98DA3205C09}" type="datetimeFigureOut">
               <a:rPr lang="en-US" smtClean="0"/>
               <a:pPr/>
-              <a:t>4/11/2012</a:t>
+              <a:t>7/31/2012</a:t>
             </a:fld>
             <a:endParaRPr lang="en-US"/>
           </a:p>
@@ -3467,12 +3467,12 @@
           <p:nvPr/>
         </p:nvGraphicFramePr>
         <p:xfrm>
-          <a:off x="5503862" y="5224464"/>
-          <a:ext cx="379413" cy="422275"/>
+          <a:off x="5492750" y="5246688"/>
+          <a:ext cx="403225" cy="376237"/>
         </p:xfrm>
         <a:graphic>
           <a:graphicData uri="http://schemas.openxmlformats.org/presentationml/2006/ole">
-            <p:oleObj spid="_x0000_s42000" name="Equation" r:id="rId7" imgW="203040" imgH="228600" progId="Equation.DSMT4">
+            <p:oleObj spid="_x0000_s42000" name="Equation" r:id="rId7" imgW="215640" imgH="203040" progId="Equation.DSMT4">
               <p:embed/>
             </p:oleObj>
           </a:graphicData>

--- a/Springer_UAV_book/Pictures/Fig6.pptx
+++ b/Springer_UAV_book/Pictures/Fig6.pptx
@@ -289,7 +289,7 @@
             <a:fld id="{1D8BD707-D9CF-40AE-B4C6-C98DA3205C09}" type="datetimeFigureOut">
               <a:rPr lang="en-US" smtClean="0"/>
               <a:pPr/>
-              <a:t>7/31/2012</a:t>
+              <a:t>8/6/2012</a:t>
             </a:fld>
             <a:endParaRPr lang="en-US"/>
           </a:p>
@@ -456,7 +456,7 @@
             <a:fld id="{1D8BD707-D9CF-40AE-B4C6-C98DA3205C09}" type="datetimeFigureOut">
               <a:rPr lang="en-US" smtClean="0"/>
               <a:pPr/>
-              <a:t>7/31/2012</a:t>
+              <a:t>8/6/2012</a:t>
             </a:fld>
             <a:endParaRPr lang="en-US"/>
           </a:p>
@@ -633,7 +633,7 @@
             <a:fld id="{1D8BD707-D9CF-40AE-B4C6-C98DA3205C09}" type="datetimeFigureOut">
               <a:rPr lang="en-US" smtClean="0"/>
               <a:pPr/>
-              <a:t>7/31/2012</a:t>
+              <a:t>8/6/2012</a:t>
             </a:fld>
             <a:endParaRPr lang="en-US"/>
           </a:p>
@@ -800,7 +800,7 @@
             <a:fld id="{1D8BD707-D9CF-40AE-B4C6-C98DA3205C09}" type="datetimeFigureOut">
               <a:rPr lang="en-US" smtClean="0"/>
               <a:pPr/>
-              <a:t>7/31/2012</a:t>
+              <a:t>8/6/2012</a:t>
             </a:fld>
             <a:endParaRPr lang="en-US"/>
           </a:p>
@@ -1043,7 +1043,7 @@
             <a:fld id="{1D8BD707-D9CF-40AE-B4C6-C98DA3205C09}" type="datetimeFigureOut">
               <a:rPr lang="en-US" smtClean="0"/>
               <a:pPr/>
-              <a:t>7/31/2012</a:t>
+              <a:t>8/6/2012</a:t>
             </a:fld>
             <a:endParaRPr lang="en-US"/>
           </a:p>
@@ -1328,7 +1328,7 @@
             <a:fld id="{1D8BD707-D9CF-40AE-B4C6-C98DA3205C09}" type="datetimeFigureOut">
               <a:rPr lang="en-US" smtClean="0"/>
               <a:pPr/>
-              <a:t>7/31/2012</a:t>
+              <a:t>8/6/2012</a:t>
             </a:fld>
             <a:endParaRPr lang="en-US"/>
           </a:p>
@@ -1747,7 +1747,7 @@
             <a:fld id="{1D8BD707-D9CF-40AE-B4C6-C98DA3205C09}" type="datetimeFigureOut">
               <a:rPr lang="en-US" smtClean="0"/>
               <a:pPr/>
-              <a:t>7/31/2012</a:t>
+              <a:t>8/6/2012</a:t>
             </a:fld>
             <a:endParaRPr lang="en-US"/>
           </a:p>
@@ -1862,7 +1862,7 @@
             <a:fld id="{1D8BD707-D9CF-40AE-B4C6-C98DA3205C09}" type="datetimeFigureOut">
               <a:rPr lang="en-US" smtClean="0"/>
               <a:pPr/>
-              <a:t>7/31/2012</a:t>
+              <a:t>8/6/2012</a:t>
             </a:fld>
             <a:endParaRPr lang="en-US"/>
           </a:p>
@@ -1954,7 +1954,7 @@
             <a:fld id="{1D8BD707-D9CF-40AE-B4C6-C98DA3205C09}" type="datetimeFigureOut">
               <a:rPr lang="en-US" smtClean="0"/>
               <a:pPr/>
-              <a:t>7/31/2012</a:t>
+              <a:t>8/6/2012</a:t>
             </a:fld>
             <a:endParaRPr lang="en-US"/>
           </a:p>
@@ -2228,7 +2228,7 @@
             <a:fld id="{1D8BD707-D9CF-40AE-B4C6-C98DA3205C09}" type="datetimeFigureOut">
               <a:rPr lang="en-US" smtClean="0"/>
               <a:pPr/>
-              <a:t>7/31/2012</a:t>
+              <a:t>8/6/2012</a:t>
             </a:fld>
             <a:endParaRPr lang="en-US"/>
           </a:p>
@@ -2478,7 +2478,7 @@
             <a:fld id="{1D8BD707-D9CF-40AE-B4C6-C98DA3205C09}" type="datetimeFigureOut">
               <a:rPr lang="en-US" smtClean="0"/>
               <a:pPr/>
-              <a:t>7/31/2012</a:t>
+              <a:t>8/6/2012</a:t>
             </a:fld>
             <a:endParaRPr lang="en-US"/>
           </a:p>
@@ -2688,7 +2688,7 @@
             <a:fld id="{1D8BD707-D9CF-40AE-B4C6-C98DA3205C09}" type="datetimeFigureOut">
               <a:rPr lang="en-US" smtClean="0"/>
               <a:pPr/>
-              <a:t>7/31/2012</a:t>
+              <a:t>8/6/2012</a:t>
             </a:fld>
             <a:endParaRPr lang="en-US"/>
           </a:p>
@@ -3467,12 +3467,12 @@
           <p:nvPr/>
         </p:nvGraphicFramePr>
         <p:xfrm>
-          <a:off x="5492750" y="5246688"/>
-          <a:ext cx="403225" cy="376237"/>
+          <a:off x="5492750" y="5211763"/>
+          <a:ext cx="403225" cy="446087"/>
         </p:xfrm>
         <a:graphic>
           <a:graphicData uri="http://schemas.openxmlformats.org/presentationml/2006/ole">
-            <p:oleObj spid="_x0000_s42000" name="Equation" r:id="rId7" imgW="215640" imgH="203040" progId="Equation.DSMT4">
+            <p:oleObj spid="_x0000_s42000" name="Equation" r:id="rId7" imgW="215640" imgH="241200" progId="Equation.DSMT4">
               <p:embed/>
             </p:oleObj>
           </a:graphicData>

--- a/Springer_UAV_book/Pictures/Fig6.pptx
+++ b/Springer_UAV_book/Pictures/Fig6.pptx
@@ -5,7 +5,7 @@
     <p:sldMasterId id="2147483648" r:id="rId1"/>
   </p:sldMasterIdLst>
   <p:sldIdLst>
-    <p:sldId id="263" r:id="rId2"/>
+    <p:sldId id="262" r:id="rId2"/>
   </p:sldIdLst>
   <p:sldSz cx="9144000" cy="6858000" type="screen4x3"/>
   <p:notesSz cx="6858000" cy="9144000"/>
@@ -289,7 +289,7 @@
             <a:fld id="{1D8BD707-D9CF-40AE-B4C6-C98DA3205C09}" type="datetimeFigureOut">
               <a:rPr lang="en-US" smtClean="0"/>
               <a:pPr/>
-              <a:t>8/6/2012</a:t>
+              <a:t>4/13/2012</a:t>
             </a:fld>
             <a:endParaRPr lang="en-US"/>
           </a:p>
@@ -456,7 +456,7 @@
             <a:fld id="{1D8BD707-D9CF-40AE-B4C6-C98DA3205C09}" type="datetimeFigureOut">
               <a:rPr lang="en-US" smtClean="0"/>
               <a:pPr/>
-              <a:t>8/6/2012</a:t>
+              <a:t>4/13/2012</a:t>
             </a:fld>
             <a:endParaRPr lang="en-US"/>
           </a:p>
@@ -633,7 +633,7 @@
             <a:fld id="{1D8BD707-D9CF-40AE-B4C6-C98DA3205C09}" type="datetimeFigureOut">
               <a:rPr lang="en-US" smtClean="0"/>
               <a:pPr/>
-              <a:t>8/6/2012</a:t>
+              <a:t>4/13/2012</a:t>
             </a:fld>
             <a:endParaRPr lang="en-US"/>
           </a:p>
@@ -800,7 +800,7 @@
             <a:fld id="{1D8BD707-D9CF-40AE-B4C6-C98DA3205C09}" type="datetimeFigureOut">
               <a:rPr lang="en-US" smtClean="0"/>
               <a:pPr/>
-              <a:t>8/6/2012</a:t>
+              <a:t>4/13/2012</a:t>
             </a:fld>
             <a:endParaRPr lang="en-US"/>
           </a:p>
@@ -1043,7 +1043,7 @@
             <a:fld id="{1D8BD707-D9CF-40AE-B4C6-C98DA3205C09}" type="datetimeFigureOut">
               <a:rPr lang="en-US" smtClean="0"/>
               <a:pPr/>
-              <a:t>8/6/2012</a:t>
+              <a:t>4/13/2012</a:t>
             </a:fld>
             <a:endParaRPr lang="en-US"/>
           </a:p>
@@ -1328,7 +1328,7 @@
             <a:fld id="{1D8BD707-D9CF-40AE-B4C6-C98DA3205C09}" type="datetimeFigureOut">
               <a:rPr lang="en-US" smtClean="0"/>
               <a:pPr/>
-              <a:t>8/6/2012</a:t>
+              <a:t>4/13/2012</a:t>
             </a:fld>
             <a:endParaRPr lang="en-US"/>
           </a:p>
@@ -1747,7 +1747,7 @@
             <a:fld id="{1D8BD707-D9CF-40AE-B4C6-C98DA3205C09}" type="datetimeFigureOut">
               <a:rPr lang="en-US" smtClean="0"/>
               <a:pPr/>
-              <a:t>8/6/2012</a:t>
+              <a:t>4/13/2012</a:t>
             </a:fld>
             <a:endParaRPr lang="en-US"/>
           </a:p>
@@ -1862,7 +1862,7 @@
             <a:fld id="{1D8BD707-D9CF-40AE-B4C6-C98DA3205C09}" type="datetimeFigureOut">
               <a:rPr lang="en-US" smtClean="0"/>
               <a:pPr/>
-              <a:t>8/6/2012</a:t>
+              <a:t>4/13/2012</a:t>
             </a:fld>
             <a:endParaRPr lang="en-US"/>
           </a:p>
@@ -1954,7 +1954,7 @@
             <a:fld id="{1D8BD707-D9CF-40AE-B4C6-C98DA3205C09}" type="datetimeFigureOut">
               <a:rPr lang="en-US" smtClean="0"/>
               <a:pPr/>
-              <a:t>8/6/2012</a:t>
+              <a:t>4/13/2012</a:t>
             </a:fld>
             <a:endParaRPr lang="en-US"/>
           </a:p>
@@ -2228,7 +2228,7 @@
             <a:fld id="{1D8BD707-D9CF-40AE-B4C6-C98DA3205C09}" type="datetimeFigureOut">
               <a:rPr lang="en-US" smtClean="0"/>
               <a:pPr/>
-              <a:t>8/6/2012</a:t>
+              <a:t>4/13/2012</a:t>
             </a:fld>
             <a:endParaRPr lang="en-US"/>
           </a:p>
@@ -2478,7 +2478,7 @@
             <a:fld id="{1D8BD707-D9CF-40AE-B4C6-C98DA3205C09}" type="datetimeFigureOut">
               <a:rPr lang="en-US" smtClean="0"/>
               <a:pPr/>
-              <a:t>8/6/2012</a:t>
+              <a:t>4/13/2012</a:t>
             </a:fld>
             <a:endParaRPr lang="en-US"/>
           </a:p>
@@ -2688,7 +2688,7 @@
             <a:fld id="{1D8BD707-D9CF-40AE-B4C6-C98DA3205C09}" type="datetimeFigureOut">
               <a:rPr lang="en-US" smtClean="0"/>
               <a:pPr/>
-              <a:t>8/6/2012</a:t>
+              <a:t>4/13/2012</a:t>
             </a:fld>
             <a:endParaRPr lang="en-US"/>
           </a:p>
@@ -3061,7 +3061,7 @@
       </p:grpSpPr>
       <p:pic>
         <p:nvPicPr>
-          <p:cNvPr id="41997" name="Picture 13"/>
+          <p:cNvPr id="28686" name="Picture 14"/>
           <p:cNvPicPr>
             <a:picLocks noChangeAspect="1" noChangeArrowheads="1"/>
           </p:cNvPicPr>
@@ -3069,34 +3069,180 @@
         </p:nvPicPr>
         <p:blipFill>
           <a:blip r:embed="rId3" cstate="print"/>
+          <a:srcRect/>
           <a:stretch>
             <a:fillRect/>
           </a:stretch>
         </p:blipFill>
         <p:spPr bwMode="auto">
           <a:xfrm>
-            <a:off x="1091196" y="1267951"/>
-            <a:ext cx="4600477" cy="2670031"/>
+            <a:off x="3047417" y="1147666"/>
+            <a:ext cx="1519136" cy="979520"/>
           </a:xfrm>
           <a:prstGeom prst="rect">
             <a:avLst/>
           </a:prstGeom>
           <a:noFill/>
-          <a:ln>
+          <a:ln w="9525">
             <a:noFill/>
+            <a:miter lim="800000"/>
+            <a:headEnd/>
+            <a:tailEnd/>
           </a:ln>
         </p:spPr>
       </p:pic>
       <p:sp>
         <p:nvSpPr>
-          <p:cNvPr id="52" name="TextBox 51"/>
+          <p:cNvPr id="36" name="Arc 35"/>
+          <p:cNvSpPr/>
+          <p:nvPr/>
+        </p:nvSpPr>
+        <p:spPr>
+          <a:xfrm rot="12160164">
+            <a:off x="1614391" y="3537372"/>
+            <a:ext cx="4700816" cy="2705883"/>
+          </a:xfrm>
+          <a:prstGeom prst="arc">
+            <a:avLst>
+              <a:gd name="adj1" fmla="val 1483961"/>
+              <a:gd name="adj2" fmla="val 2359464"/>
+            </a:avLst>
+          </a:prstGeom>
+          <a:noFill/>
+          <a:ln w="19050">
+            <a:solidFill>
+              <a:schemeClr val="tx1"/>
+            </a:solidFill>
+          </a:ln>
+        </p:spPr>
+        <p:style>
+          <a:lnRef idx="1">
+            <a:schemeClr val="accent1"/>
+          </a:lnRef>
+          <a:fillRef idx="0">
+            <a:schemeClr val="accent1"/>
+          </a:fillRef>
+          <a:effectRef idx="0">
+            <a:schemeClr val="accent1"/>
+          </a:effectRef>
+          <a:fontRef idx="minor">
+            <a:schemeClr val="tx1"/>
+          </a:fontRef>
+        </p:style>
+        <p:txBody>
+          <a:bodyPr rtlCol="0" anchor="ctr"/>
+          <a:lstStyle/>
+          <a:p>
+            <a:pPr algn="ctr"/>
+            <a:endParaRPr lang="en-US"/>
+          </a:p>
+        </p:txBody>
+      </p:sp>
+      <p:sp>
+        <p:nvSpPr>
+          <p:cNvPr id="56" name="Arc 55"/>
+          <p:cNvSpPr/>
+          <p:nvPr/>
+        </p:nvSpPr>
+        <p:spPr>
+          <a:xfrm rot="12160164">
+            <a:off x="1486861" y="3521814"/>
+            <a:ext cx="4700816" cy="2705883"/>
+          </a:xfrm>
+          <a:prstGeom prst="arc">
+            <a:avLst>
+              <a:gd name="adj1" fmla="val 2717247"/>
+              <a:gd name="adj2" fmla="val 7341784"/>
+            </a:avLst>
+          </a:prstGeom>
+          <a:noFill/>
+          <a:ln w="19050">
+            <a:solidFill>
+              <a:schemeClr val="tx1"/>
+            </a:solidFill>
+            <a:prstDash val="dash"/>
+          </a:ln>
+        </p:spPr>
+        <p:style>
+          <a:lnRef idx="1">
+            <a:schemeClr val="accent1"/>
+          </a:lnRef>
+          <a:fillRef idx="0">
+            <a:schemeClr val="accent1"/>
+          </a:fillRef>
+          <a:effectRef idx="0">
+            <a:schemeClr val="accent1"/>
+          </a:effectRef>
+          <a:fontRef idx="minor">
+            <a:schemeClr val="tx1"/>
+          </a:fontRef>
+        </p:style>
+        <p:txBody>
+          <a:bodyPr rtlCol="0" anchor="ctr"/>
+          <a:lstStyle/>
+          <a:p>
+            <a:pPr algn="ctr"/>
+            <a:endParaRPr lang="en-US"/>
+          </a:p>
+        </p:txBody>
+      </p:sp>
+      <p:sp>
+        <p:nvSpPr>
+          <p:cNvPr id="57" name="Arc 56"/>
+          <p:cNvSpPr/>
+          <p:nvPr/>
+        </p:nvSpPr>
+        <p:spPr>
+          <a:xfrm rot="12160164">
+            <a:off x="1542847" y="3559138"/>
+            <a:ext cx="4700816" cy="2705883"/>
+          </a:xfrm>
+          <a:prstGeom prst="arc">
+            <a:avLst>
+              <a:gd name="adj1" fmla="val 7264565"/>
+              <a:gd name="adj2" fmla="val 9147649"/>
+            </a:avLst>
+          </a:prstGeom>
+          <a:noFill/>
+          <a:ln w="19050">
+            <a:solidFill>
+              <a:schemeClr val="tx1"/>
+            </a:solidFill>
+          </a:ln>
+        </p:spPr>
+        <p:style>
+          <a:lnRef idx="1">
+            <a:schemeClr val="accent1"/>
+          </a:lnRef>
+          <a:fillRef idx="0">
+            <a:schemeClr val="accent1"/>
+          </a:fillRef>
+          <a:effectRef idx="0">
+            <a:schemeClr val="accent1"/>
+          </a:effectRef>
+          <a:fontRef idx="minor">
+            <a:schemeClr val="tx1"/>
+          </a:fontRef>
+        </p:style>
+        <p:txBody>
+          <a:bodyPr rtlCol="0" anchor="ctr"/>
+          <a:lstStyle/>
+          <a:p>
+            <a:pPr algn="ctr"/>
+            <a:endParaRPr lang="en-US"/>
+          </a:p>
+        </p:txBody>
+      </p:sp>
+      <p:sp>
+        <p:nvSpPr>
+          <p:cNvPr id="81" name="TextBox 80"/>
           <p:cNvSpPr txBox="1"/>
           <p:nvPr/>
         </p:nvSpPr>
         <p:spPr>
           <a:xfrm>
-            <a:off x="1779912" y="3924685"/>
-            <a:ext cx="1038516" cy="307777"/>
+            <a:off x="2202024" y="2603241"/>
+            <a:ext cx="699797" cy="307777"/>
           </a:xfrm>
           <a:prstGeom prst="rect">
             <a:avLst/>
@@ -3110,67 +3256,27 @@
           <a:lstStyle/>
           <a:p>
             <a:r>
-              <a:rPr lang="en-US" sz="1400" b="1" dirty="0" smtClean="0">
+              <a:rPr lang="en-US" sz="1400" dirty="0" smtClean="0">
                 <a:latin typeface="Garamond" pitchFamily="18" charset="0"/>
               </a:rPr>
-              <a:t>Pitot tube</a:t>
-            </a:r>
-            <a:endParaRPr lang="en-US" sz="1400" b="1" dirty="0">
+              <a:t>North</a:t>
+            </a:r>
+            <a:endParaRPr lang="en-US" sz="1400" dirty="0">
               <a:latin typeface="Garamond" pitchFamily="18" charset="0"/>
             </a:endParaRPr>
           </a:p>
         </p:txBody>
       </p:sp>
-      <p:cxnSp>
-        <p:nvCxnSpPr>
-          <p:cNvPr id="62" name="Straight Arrow Connector 61"/>
-          <p:cNvCxnSpPr>
-            <a:stCxn id="96" idx="0"/>
-            <a:endCxn id="45" idx="5"/>
-          </p:cNvCxnSpPr>
-          <p:nvPr/>
-        </p:nvCxnSpPr>
-        <p:spPr>
-          <a:xfrm flipH="1" flipV="1">
-            <a:off x="3983104" y="2682067"/>
-            <a:ext cx="1706001" cy="1643735"/>
-          </a:xfrm>
-          <a:prstGeom prst="straightConnector1">
-            <a:avLst/>
-          </a:prstGeom>
-          <a:ln w="9525">
-            <a:solidFill>
-              <a:schemeClr val="tx1"/>
-            </a:solidFill>
-            <a:prstDash val="dash"/>
-            <a:tailEnd type="none" w="lg" len="med"/>
-          </a:ln>
-        </p:spPr>
-        <p:style>
-          <a:lnRef idx="1">
-            <a:schemeClr val="accent1"/>
-          </a:lnRef>
-          <a:fillRef idx="0">
-            <a:schemeClr val="accent1"/>
-          </a:fillRef>
-          <a:effectRef idx="0">
-            <a:schemeClr val="accent1"/>
-          </a:effectRef>
-          <a:fontRef idx="minor">
-            <a:schemeClr val="tx1"/>
-          </a:fontRef>
-        </p:style>
-      </p:cxnSp>
-      <p:sp>
-        <p:nvSpPr>
-          <p:cNvPr id="65" name="TextBox 64"/>
+      <p:sp>
+        <p:nvSpPr>
+          <p:cNvPr id="64" name="TextBox 63"/>
           <p:cNvSpPr txBox="1"/>
           <p:nvPr/>
         </p:nvSpPr>
         <p:spPr>
           <a:xfrm>
-            <a:off x="3303035" y="2435871"/>
-            <a:ext cx="457201" cy="307777"/>
+            <a:off x="5001210" y="3116423"/>
+            <a:ext cx="559837" cy="307777"/>
           </a:xfrm>
           <a:prstGeom prst="rect">
             <a:avLst/>
@@ -3184,29 +3290,109 @@
           <a:lstStyle/>
           <a:p>
             <a:r>
-              <a:rPr lang="en-US" sz="1400" b="1" dirty="0" smtClean="0">
+              <a:rPr lang="en-US" sz="1400" dirty="0" smtClean="0">
                 <a:latin typeface="Garamond" pitchFamily="18" charset="0"/>
               </a:rPr>
-              <a:t>CG</a:t>
-            </a:r>
-            <a:endParaRPr lang="en-US" sz="1400" b="1" dirty="0">
+              <a:t>East</a:t>
+            </a:r>
+            <a:endParaRPr lang="en-US" sz="1400" dirty="0">
               <a:latin typeface="Garamond" pitchFamily="18" charset="0"/>
             </a:endParaRPr>
           </a:p>
         </p:txBody>
       </p:sp>
+      <p:graphicFrame>
+        <p:nvGraphicFramePr>
+          <p:cNvPr id="15383" name="Object 23"/>
+          <p:cNvGraphicFramePr>
+            <a:graphicFrameLocks noChangeAspect="1"/>
+          </p:cNvGraphicFramePr>
+          <p:nvPr/>
+        </p:nvGraphicFramePr>
+        <p:xfrm>
+          <a:off x="2747283" y="2810877"/>
+          <a:ext cx="306388" cy="422275"/>
+        </p:xfrm>
+        <a:graphic>
+          <a:graphicData uri="http://schemas.openxmlformats.org/presentationml/2006/ole">
+            <p:oleObj spid="_x0000_s28677" name="Equation" r:id="rId4" imgW="164880" imgH="228600" progId="Equation.DSMT4">
+              <p:embed/>
+            </p:oleObj>
+          </a:graphicData>
+        </a:graphic>
+      </p:graphicFrame>
+      <p:graphicFrame>
+        <p:nvGraphicFramePr>
+          <p:cNvPr id="15384" name="Object 24"/>
+          <p:cNvGraphicFramePr>
+            <a:graphicFrameLocks noChangeAspect="1"/>
+          </p:cNvGraphicFramePr>
+          <p:nvPr/>
+        </p:nvGraphicFramePr>
+        <p:xfrm>
+          <a:off x="4670880" y="2897834"/>
+          <a:ext cx="330200" cy="422275"/>
+        </p:xfrm>
+        <a:graphic>
+          <a:graphicData uri="http://schemas.openxmlformats.org/presentationml/2006/ole">
+            <p:oleObj spid="_x0000_s28678" name="Equation" r:id="rId5" imgW="177480" imgH="228600" progId="Equation.DSMT4">
+              <p:embed/>
+            </p:oleObj>
+          </a:graphicData>
+        </a:graphic>
+      </p:graphicFrame>
+      <p:graphicFrame>
+        <p:nvGraphicFramePr>
+          <p:cNvPr id="15385" name="Object 25"/>
+          <p:cNvGraphicFramePr>
+            <a:graphicFrameLocks noChangeAspect="1"/>
+          </p:cNvGraphicFramePr>
+          <p:nvPr/>
+        </p:nvGraphicFramePr>
+        <p:xfrm>
+          <a:off x="3445427" y="4441209"/>
+          <a:ext cx="306387" cy="422275"/>
+        </p:xfrm>
+        <a:graphic>
+          <a:graphicData uri="http://schemas.openxmlformats.org/presentationml/2006/ole">
+            <p:oleObj spid="_x0000_s28679" name="Equation" r:id="rId6" imgW="164880" imgH="228600" progId="Equation.DSMT4">
+              <p:embed/>
+            </p:oleObj>
+          </a:graphicData>
+        </a:graphic>
+      </p:graphicFrame>
+      <p:graphicFrame>
+        <p:nvGraphicFramePr>
+          <p:cNvPr id="123" name="Object 122"/>
+          <p:cNvGraphicFramePr>
+            <a:graphicFrameLocks noChangeAspect="1"/>
+          </p:cNvGraphicFramePr>
+          <p:nvPr/>
+        </p:nvGraphicFramePr>
+        <p:xfrm>
+          <a:off x="3300770" y="3838445"/>
+          <a:ext cx="384175" cy="404813"/>
+        </p:xfrm>
+        <a:graphic>
+          <a:graphicData uri="http://schemas.openxmlformats.org/presentationml/2006/ole">
+            <p:oleObj spid="_x0000_s28674" name="Equation" r:id="rId7" imgW="241200" imgH="253800" progId="Equation.DSMT4">
+              <p:embed/>
+            </p:oleObj>
+          </a:graphicData>
+        </a:graphic>
+      </p:graphicFrame>
       <p:cxnSp>
         <p:nvCxnSpPr>
-          <p:cNvPr id="77" name="Straight Arrow Connector 76"/>
+          <p:cNvPr id="40" name="Straight Arrow Connector 39"/>
           <p:cNvCxnSpPr>
-            <a:stCxn id="45" idx="6"/>
+            <a:stCxn id="38" idx="3"/>
           </p:cNvCxnSpPr>
           <p:nvPr/>
         </p:nvCxnSpPr>
         <p:spPr>
-          <a:xfrm>
-            <a:off x="4017220" y="2648919"/>
-            <a:ext cx="2859441" cy="1204624"/>
+          <a:xfrm flipH="1">
+            <a:off x="3816222" y="3672413"/>
+            <a:ext cx="612282" cy="992893"/>
           </a:xfrm>
           <a:prstGeom prst="straightConnector1">
             <a:avLst/>
@@ -3233,38 +3419,136 @@
           </a:fontRef>
         </p:style>
       </p:cxnSp>
-      <p:graphicFrame>
-        <p:nvGraphicFramePr>
-          <p:cNvPr id="84" name="Object 25"/>
-          <p:cNvGraphicFramePr>
-            <a:graphicFrameLocks noChangeAspect="1"/>
-          </p:cNvGraphicFramePr>
+      <p:sp>
+        <p:nvSpPr>
+          <p:cNvPr id="158" name="TextBox 157"/>
+          <p:cNvSpPr txBox="1"/>
           <p:nvPr/>
-        </p:nvGraphicFramePr>
-        <p:xfrm>
-          <a:off x="3656824" y="5219021"/>
-          <a:ext cx="306387" cy="422275"/>
-        </p:xfrm>
-        <a:graphic>
-          <a:graphicData uri="http://schemas.openxmlformats.org/presentationml/2006/ole">
-            <p:oleObj spid="_x0000_s41995" name="Equation" r:id="rId4" imgW="164880" imgH="228600" progId="Equation.DSMT4">
-              <p:embed/>
-            </p:oleObj>
-          </a:graphicData>
-        </a:graphic>
-      </p:graphicFrame>
+        </p:nvSpPr>
+        <p:spPr>
+          <a:xfrm>
+            <a:off x="2752532" y="3881531"/>
+            <a:ext cx="578498" cy="307777"/>
+          </a:xfrm>
+          <a:prstGeom prst="rect">
+            <a:avLst/>
+          </a:prstGeom>
+          <a:noFill/>
+        </p:spPr>
+        <p:txBody>
+          <a:bodyPr wrap="square" rtlCol="0">
+            <a:spAutoFit/>
+          </a:bodyPr>
+          <a:lstStyle/>
+          <a:p>
+            <a:r>
+              <a:rPr lang="en-US" sz="1400" dirty="0" smtClean="0">
+                <a:latin typeface="Garamond" pitchFamily="18" charset="0"/>
+              </a:rPr>
+              <a:t>NED </a:t>
+            </a:r>
+            <a:endParaRPr lang="en-US" sz="1400" dirty="0">
+              <a:latin typeface="Garamond" pitchFamily="18" charset="0"/>
+            </a:endParaRPr>
+          </a:p>
+        </p:txBody>
+      </p:sp>
+      <p:sp>
+        <p:nvSpPr>
+          <p:cNvPr id="39" name="Flowchart: Data 38"/>
+          <p:cNvSpPr/>
+          <p:nvPr/>
+        </p:nvSpPr>
+        <p:spPr>
+          <a:xfrm rot="12507116">
+            <a:off x="3054630" y="3223766"/>
+            <a:ext cx="2398841" cy="676636"/>
+          </a:xfrm>
+          <a:prstGeom prst="flowChartInputOutput">
+            <a:avLst/>
+          </a:prstGeom>
+          <a:solidFill>
+            <a:schemeClr val="bg1">
+              <a:lumMod val="85000"/>
+              <a:alpha val="55000"/>
+            </a:schemeClr>
+          </a:solidFill>
+          <a:ln w="15875">
+            <a:solidFill>
+              <a:schemeClr val="tx1"/>
+            </a:solidFill>
+            <a:tailEnd type="stealth" w="lg" len="med"/>
+          </a:ln>
+        </p:spPr>
+        <p:style>
+          <a:lnRef idx="1">
+            <a:schemeClr val="accent1"/>
+          </a:lnRef>
+          <a:fillRef idx="0">
+            <a:schemeClr val="accent1"/>
+          </a:fillRef>
+          <a:effectRef idx="0">
+            <a:schemeClr val="accent1"/>
+          </a:effectRef>
+          <a:fontRef idx="minor">
+            <a:schemeClr val="tx1"/>
+          </a:fontRef>
+        </p:style>
+        <p:txBody>
+          <a:bodyPr rtlCol="0" anchor="ctr"/>
+          <a:lstStyle/>
+          <a:p>
+            <a:pPr algn="ctr"/>
+            <a:endParaRPr lang="en-US"/>
+          </a:p>
+        </p:txBody>
+      </p:sp>
+      <p:sp>
+        <p:nvSpPr>
+          <p:cNvPr id="52" name="TextBox 51"/>
+          <p:cNvSpPr txBox="1"/>
+          <p:nvPr/>
+        </p:nvSpPr>
+        <p:spPr>
+          <a:xfrm>
+            <a:off x="3816221" y="4674635"/>
+            <a:ext cx="1492900" cy="523220"/>
+          </a:xfrm>
+          <a:prstGeom prst="rect">
+            <a:avLst/>
+          </a:prstGeom>
+          <a:noFill/>
+        </p:spPr>
+        <p:txBody>
+          <a:bodyPr wrap="square" rtlCol="0">
+            <a:spAutoFit/>
+          </a:bodyPr>
+          <a:lstStyle/>
+          <a:p>
+            <a:r>
+              <a:rPr lang="en-US" sz="1400" dirty="0" smtClean="0">
+                <a:latin typeface="Garamond" pitchFamily="18" charset="0"/>
+              </a:rPr>
+              <a:t>Down, towards the Earth center</a:t>
+            </a:r>
+            <a:endParaRPr lang="en-US" sz="1400" dirty="0">
+              <a:latin typeface="Garamond" pitchFamily="18" charset="0"/>
+            </a:endParaRPr>
+          </a:p>
+        </p:txBody>
+      </p:sp>
       <p:cxnSp>
         <p:nvCxnSpPr>
-          <p:cNvPr id="43" name="Straight Arrow Connector 42"/>
+          <p:cNvPr id="41" name="Straight Arrow Connector 40"/>
           <p:cNvCxnSpPr>
-            <a:stCxn id="45" idx="4"/>
+            <a:stCxn id="38" idx="7"/>
           </p:cNvCxnSpPr>
           <p:nvPr/>
         </p:nvCxnSpPr>
         <p:spPr>
-          <a:xfrm>
-            <a:off x="3932773" y="2681421"/>
-            <a:ext cx="32737" cy="2674350"/>
+          <a:xfrm flipV="1">
+            <a:off x="4492145" y="3340359"/>
+            <a:ext cx="471742" cy="268413"/>
           </a:xfrm>
           <a:prstGeom prst="straightConnector1">
             <a:avLst/>
@@ -3291,69 +3575,18 @@
           </a:fontRef>
         </p:style>
       </p:cxnSp>
-      <p:sp>
-        <p:nvSpPr>
-          <p:cNvPr id="45" name="Flowchart: Or 44"/>
-          <p:cNvSpPr/>
-          <p:nvPr/>
-        </p:nvSpPr>
-        <p:spPr>
-          <a:xfrm rot="1299533">
-            <a:off x="3888935" y="2563003"/>
-            <a:ext cx="132980" cy="122751"/>
-          </a:xfrm>
-          <a:prstGeom prst="flowChartOr">
-            <a:avLst/>
-          </a:prstGeom>
-          <a:solidFill>
-            <a:schemeClr val="tx1"/>
-          </a:solidFill>
-          <a:ln w="15875">
-            <a:solidFill>
-              <a:schemeClr val="tx1"/>
-            </a:solidFill>
-            <a:tailEnd type="stealth" w="lg" len="med"/>
-          </a:ln>
-        </p:spPr>
-        <p:style>
-          <a:lnRef idx="1">
-            <a:schemeClr val="accent1"/>
-          </a:lnRef>
-          <a:fillRef idx="0">
-            <a:schemeClr val="accent1"/>
-          </a:fillRef>
-          <a:effectRef idx="0">
-            <a:schemeClr val="accent1"/>
-          </a:effectRef>
-          <a:fontRef idx="minor">
-            <a:schemeClr val="tx1"/>
-          </a:fontRef>
-        </p:style>
-        <p:txBody>
-          <a:bodyPr rtlCol="0" anchor="ctr"/>
-          <a:lstStyle/>
-          <a:p>
-            <a:pPr algn="ctr"/>
-            <a:endParaRPr lang="en-US">
-              <a:solidFill>
-                <a:schemeClr val="tx1"/>
-              </a:solidFill>
-            </a:endParaRPr>
-          </a:p>
-        </p:txBody>
-      </p:sp>
       <p:cxnSp>
         <p:nvCxnSpPr>
-          <p:cNvPr id="74" name="Straight Arrow Connector 73"/>
+          <p:cNvPr id="71" name="Straight Arrow Connector 70"/>
           <p:cNvCxnSpPr>
-            <a:stCxn id="45" idx="3"/>
+            <a:stCxn id="38" idx="1"/>
           </p:cNvCxnSpPr>
           <p:nvPr/>
         </p:nvCxnSpPr>
         <p:spPr>
-          <a:xfrm flipH="1">
-            <a:off x="881064" y="2647361"/>
-            <a:ext cx="3014647" cy="1338852"/>
+          <a:xfrm flipH="1" flipV="1">
+            <a:off x="2995130" y="2911152"/>
+            <a:ext cx="1433374" cy="697620"/>
           </a:xfrm>
           <a:prstGeom prst="straightConnector1">
             <a:avLst/>
@@ -3380,58 +3613,208 @@
           </a:fontRef>
         </p:style>
       </p:cxnSp>
-      <p:graphicFrame>
-        <p:nvGraphicFramePr>
-          <p:cNvPr id="41998" name="Object 21"/>
-          <p:cNvGraphicFramePr>
-            <a:graphicFrameLocks noChangeAspect="1"/>
-          </p:cNvGraphicFramePr>
+      <p:sp>
+        <p:nvSpPr>
+          <p:cNvPr id="38" name="Oval 37"/>
+          <p:cNvSpPr/>
           <p:nvPr/>
-        </p:nvGraphicFramePr>
-        <p:xfrm>
-          <a:off x="541338" y="3776663"/>
-          <a:ext cx="330200" cy="422275"/>
-        </p:xfrm>
-        <a:graphic>
-          <a:graphicData uri="http://schemas.openxmlformats.org/presentationml/2006/ole">
-            <p:oleObj spid="_x0000_s41998" name="Equation" r:id="rId5" imgW="177480" imgH="228600" progId="Equation.DSMT4">
-              <p:embed/>
-            </p:oleObj>
-          </a:graphicData>
-        </a:graphic>
-      </p:graphicFrame>
-      <p:graphicFrame>
-        <p:nvGraphicFramePr>
-          <p:cNvPr id="79" name="Object 21"/>
-          <p:cNvGraphicFramePr>
-            <a:graphicFrameLocks noChangeAspect="1"/>
-          </p:cNvGraphicFramePr>
-          <p:nvPr/>
-        </p:nvGraphicFramePr>
-        <p:xfrm>
-          <a:off x="6905625" y="3657601"/>
-          <a:ext cx="307975" cy="422275"/>
-        </p:xfrm>
-        <a:graphic>
-          <a:graphicData uri="http://schemas.openxmlformats.org/presentationml/2006/ole">
-            <p:oleObj spid="_x0000_s41999" name="Equation" r:id="rId6" imgW="164880" imgH="228600" progId="Equation.DSMT4">
-              <p:embed/>
-            </p:oleObj>
-          </a:graphicData>
-        </a:graphic>
-      </p:graphicFrame>
+        </p:nvSpPr>
+        <p:spPr>
+          <a:xfrm>
+            <a:off x="4415324" y="3595592"/>
+            <a:ext cx="90001" cy="90001"/>
+          </a:xfrm>
+          <a:prstGeom prst="ellipse">
+            <a:avLst/>
+          </a:prstGeom>
+          <a:solidFill>
+            <a:schemeClr val="tx1"/>
+          </a:solidFill>
+          <a:ln w="25400">
+            <a:solidFill>
+              <a:schemeClr val="tx1"/>
+            </a:solidFill>
+            <a:tailEnd type="stealth" w="lg" len="med"/>
+          </a:ln>
+        </p:spPr>
+        <p:style>
+          <a:lnRef idx="1">
+            <a:schemeClr val="accent1"/>
+          </a:lnRef>
+          <a:fillRef idx="0">
+            <a:schemeClr val="accent1"/>
+          </a:fillRef>
+          <a:effectRef idx="0">
+            <a:schemeClr val="accent1"/>
+          </a:effectRef>
+          <a:fontRef idx="minor">
+            <a:schemeClr val="tx1"/>
+          </a:fontRef>
+        </p:style>
+        <p:txBody>
+          <a:bodyPr rtlCol="0" anchor="ctr"/>
+          <a:lstStyle/>
+          <a:p>
+            <a:pPr algn="ctr"/>
+            <a:endParaRPr lang="en-US"/>
+          </a:p>
+        </p:txBody>
+      </p:sp>
       <p:cxnSp>
         <p:nvCxnSpPr>
-          <p:cNvPr id="80" name="Straight Arrow Connector 79"/>
-          <p:cNvCxnSpPr>
-            <a:stCxn id="45" idx="5"/>
-          </p:cNvCxnSpPr>
+          <p:cNvPr id="62" name="Straight Arrow Connector 61"/>
+          <p:cNvCxnSpPr/>
           <p:nvPr/>
         </p:nvCxnSpPr>
         <p:spPr>
+          <a:xfrm flipH="1" flipV="1">
+            <a:off x="2668556" y="905070"/>
+            <a:ext cx="1053931" cy="514118"/>
+          </a:xfrm>
+          <a:prstGeom prst="straightConnector1">
+            <a:avLst/>
+          </a:prstGeom>
+          <a:ln w="9525">
+            <a:solidFill>
+              <a:schemeClr val="tx1"/>
+            </a:solidFill>
+            <a:prstDash val="dash"/>
+            <a:tailEnd type="stealth" w="lg" len="med"/>
+          </a:ln>
+        </p:spPr>
+        <p:style>
+          <a:lnRef idx="1">
+            <a:schemeClr val="accent1"/>
+          </a:lnRef>
+          <a:fillRef idx="0">
+            <a:schemeClr val="accent1"/>
+          </a:fillRef>
+          <a:effectRef idx="0">
+            <a:schemeClr val="accent1"/>
+          </a:effectRef>
+          <a:fontRef idx="minor">
+            <a:schemeClr val="tx1"/>
+          </a:fontRef>
+        </p:style>
+      </p:cxnSp>
+      <p:sp>
+        <p:nvSpPr>
+          <p:cNvPr id="65" name="TextBox 64"/>
+          <p:cNvSpPr txBox="1"/>
+          <p:nvPr/>
+        </p:nvSpPr>
+        <p:spPr>
           <a:xfrm>
-            <a:off x="3983104" y="2682067"/>
-            <a:ext cx="1469959" cy="2761471"/>
+            <a:off x="3359019" y="1054358"/>
+            <a:ext cx="559837" cy="307777"/>
+          </a:xfrm>
+          <a:prstGeom prst="rect">
+            <a:avLst/>
+          </a:prstGeom>
+          <a:noFill/>
+        </p:spPr>
+        <p:txBody>
+          <a:bodyPr wrap="square" rtlCol="0">
+            <a:spAutoFit/>
+          </a:bodyPr>
+          <a:lstStyle/>
+          <a:p>
+            <a:r>
+              <a:rPr lang="en-US" sz="1400" dirty="0" smtClean="0">
+                <a:latin typeface="Garamond" pitchFamily="18" charset="0"/>
+              </a:rPr>
+              <a:t>CG</a:t>
+            </a:r>
+            <a:endParaRPr lang="en-US" sz="1400" dirty="0">
+              <a:latin typeface="Garamond" pitchFamily="18" charset="0"/>
+            </a:endParaRPr>
+          </a:p>
+        </p:txBody>
+      </p:sp>
+      <p:cxnSp>
+        <p:nvCxnSpPr>
+          <p:cNvPr id="67" name="Straight Arrow Connector 66"/>
+          <p:cNvCxnSpPr/>
+          <p:nvPr/>
+        </p:nvCxnSpPr>
+        <p:spPr>
+          <a:xfrm flipV="1">
+            <a:off x="3717703" y="1156996"/>
+            <a:ext cx="471742" cy="268413"/>
+          </a:xfrm>
+          <a:prstGeom prst="straightConnector1">
+            <a:avLst/>
+          </a:prstGeom>
+          <a:ln w="9525">
+            <a:solidFill>
+              <a:schemeClr val="tx1"/>
+            </a:solidFill>
+            <a:prstDash val="dash"/>
+            <a:tailEnd type="stealth" w="lg" len="med"/>
+          </a:ln>
+        </p:spPr>
+        <p:style>
+          <a:lnRef idx="1">
+            <a:schemeClr val="accent1"/>
+          </a:lnRef>
+          <a:fillRef idx="0">
+            <a:schemeClr val="accent1"/>
+          </a:fillRef>
+          <a:effectRef idx="0">
+            <a:schemeClr val="accent1"/>
+          </a:effectRef>
+          <a:fontRef idx="minor">
+            <a:schemeClr val="tx1"/>
+          </a:fontRef>
+        </p:style>
+      </p:cxnSp>
+      <p:cxnSp>
+        <p:nvCxnSpPr>
+          <p:cNvPr id="68" name="Straight Arrow Connector 67"/>
+          <p:cNvCxnSpPr/>
+          <p:nvPr/>
+        </p:nvCxnSpPr>
+        <p:spPr>
+          <a:xfrm flipH="1">
+            <a:off x="3107095" y="1395744"/>
+            <a:ext cx="612282" cy="992893"/>
+          </a:xfrm>
+          <a:prstGeom prst="straightConnector1">
+            <a:avLst/>
+          </a:prstGeom>
+          <a:ln w="9525">
+            <a:solidFill>
+              <a:schemeClr val="tx1"/>
+            </a:solidFill>
+            <a:prstDash val="dash"/>
+            <a:tailEnd type="stealth" w="lg" len="med"/>
+          </a:ln>
+        </p:spPr>
+        <p:style>
+          <a:lnRef idx="1">
+            <a:schemeClr val="accent1"/>
+          </a:lnRef>
+          <a:fillRef idx="0">
+            <a:schemeClr val="accent1"/>
+          </a:fillRef>
+          <a:effectRef idx="0">
+            <a:schemeClr val="accent1"/>
+          </a:effectRef>
+          <a:fontRef idx="minor">
+            <a:schemeClr val="tx1"/>
+          </a:fontRef>
+        </p:style>
+      </p:cxnSp>
+      <p:cxnSp>
+        <p:nvCxnSpPr>
+          <p:cNvPr id="69" name="Straight Arrow Connector 68"/>
+          <p:cNvCxnSpPr/>
+          <p:nvPr/>
+        </p:nvCxnSpPr>
+        <p:spPr>
+          <a:xfrm flipH="1">
+            <a:off x="2892490" y="1418254"/>
+            <a:ext cx="811765" cy="27991"/>
           </a:xfrm>
           <a:prstGeom prst="straightConnector1">
             <a:avLst/>
@@ -3458,202 +3841,25 @@
           </a:fontRef>
         </p:style>
       </p:cxnSp>
-      <p:graphicFrame>
-        <p:nvGraphicFramePr>
-          <p:cNvPr id="94" name="Object 21"/>
-          <p:cNvGraphicFramePr>
-            <a:graphicFrameLocks noChangeAspect="1"/>
-          </p:cNvGraphicFramePr>
+      <p:cxnSp>
+        <p:nvCxnSpPr>
+          <p:cNvPr id="75" name="Straight Arrow Connector 74"/>
+          <p:cNvCxnSpPr/>
           <p:nvPr/>
-        </p:nvGraphicFramePr>
-        <p:xfrm>
-          <a:off x="5492750" y="5211763"/>
-          <a:ext cx="403225" cy="446087"/>
-        </p:xfrm>
-        <a:graphic>
-          <a:graphicData uri="http://schemas.openxmlformats.org/presentationml/2006/ole">
-            <p:oleObj spid="_x0000_s42000" name="Equation" r:id="rId7" imgW="215640" imgH="241200" progId="Equation.DSMT4">
-              <p:embed/>
-            </p:oleObj>
-          </a:graphicData>
-        </a:graphic>
-      </p:graphicFrame>
-      <p:graphicFrame>
-        <p:nvGraphicFramePr>
-          <p:cNvPr id="42001" name="Object 17"/>
-          <p:cNvGraphicFramePr>
-            <a:graphicFrameLocks noChangeAspect="1"/>
-          </p:cNvGraphicFramePr>
-          <p:nvPr/>
-        </p:nvGraphicFramePr>
-        <p:xfrm>
-          <a:off x="4937124" y="5053012"/>
-          <a:ext cx="331788" cy="422275"/>
-        </p:xfrm>
-        <a:graphic>
-          <a:graphicData uri="http://schemas.openxmlformats.org/presentationml/2006/ole">
-            <p:oleObj spid="_x0000_s42001" name="Equation" r:id="rId8" imgW="177480" imgH="228600" progId="Equation.DSMT4">
-              <p:embed/>
-            </p:oleObj>
-          </a:graphicData>
-        </a:graphic>
-      </p:graphicFrame>
-      <p:sp>
-        <p:nvSpPr>
-          <p:cNvPr id="95" name="Arc 94"/>
-          <p:cNvSpPr/>
-          <p:nvPr/>
-        </p:nvSpPr>
+        </p:nvCxnSpPr>
         <p:spPr>
-          <a:xfrm>
-            <a:off x="5381626" y="2924175"/>
-            <a:ext cx="590549" cy="1400176"/>
+          <a:xfrm flipV="1">
+            <a:off x="3702152" y="1017037"/>
+            <a:ext cx="226036" cy="402153"/>
           </a:xfrm>
-          <a:prstGeom prst="arc">
-            <a:avLst>
-              <a:gd name="adj1" fmla="val 20063473"/>
-              <a:gd name="adj2" fmla="val 5303193"/>
-            </a:avLst>
+          <a:prstGeom prst="straightConnector1">
+            <a:avLst/>
           </a:prstGeom>
           <a:ln w="15875">
             <a:solidFill>
               <a:schemeClr val="tx1"/>
             </a:solidFill>
-            <a:headEnd type="stealth"/>
-            <a:tailEnd type="none"/>
-          </a:ln>
-        </p:spPr>
-        <p:style>
-          <a:lnRef idx="1">
-            <a:schemeClr val="accent1"/>
-          </a:lnRef>
-          <a:fillRef idx="0">
-            <a:schemeClr val="accent1"/>
-          </a:fillRef>
-          <a:effectRef idx="0">
-            <a:schemeClr val="accent1"/>
-          </a:effectRef>
-          <a:fontRef idx="minor">
-            <a:schemeClr val="tx1"/>
-          </a:fontRef>
-        </p:style>
-        <p:txBody>
-          <a:bodyPr rtlCol="0" anchor="ctr"/>
-          <a:lstStyle/>
-          <a:p>
-            <a:pPr algn="ctr"/>
-            <a:endParaRPr lang="en-US"/>
-          </a:p>
-        </p:txBody>
-      </p:sp>
-      <p:sp>
-        <p:nvSpPr>
-          <p:cNvPr id="96" name="Arc 95"/>
-          <p:cNvSpPr/>
-          <p:nvPr/>
-        </p:nvSpPr>
-        <p:spPr>
-          <a:xfrm rot="5840654">
-            <a:off x="4642726" y="3555263"/>
-            <a:ext cx="794340" cy="1319191"/>
-          </a:xfrm>
-          <a:prstGeom prst="arc">
-            <a:avLst>
-              <a:gd name="adj1" fmla="val 16341200"/>
-              <a:gd name="adj2" fmla="val 21276934"/>
-            </a:avLst>
-          </a:prstGeom>
-          <a:ln w="15875">
-            <a:solidFill>
-              <a:schemeClr val="tx1"/>
-            </a:solidFill>
-            <a:headEnd type="stealth"/>
-            <a:tailEnd type="none"/>
-          </a:ln>
-        </p:spPr>
-        <p:style>
-          <a:lnRef idx="1">
-            <a:schemeClr val="accent1"/>
-          </a:lnRef>
-          <a:fillRef idx="0">
-            <a:schemeClr val="accent1"/>
-          </a:fillRef>
-          <a:effectRef idx="0">
-            <a:schemeClr val="accent1"/>
-          </a:effectRef>
-          <a:fontRef idx="minor">
-            <a:schemeClr val="tx1"/>
-          </a:fontRef>
-        </p:style>
-        <p:txBody>
-          <a:bodyPr rtlCol="0" anchor="ctr"/>
-          <a:lstStyle/>
-          <a:p>
-            <a:pPr algn="ctr"/>
-            <a:endParaRPr lang="en-US"/>
-          </a:p>
-        </p:txBody>
-      </p:sp>
-      <p:graphicFrame>
-        <p:nvGraphicFramePr>
-          <p:cNvPr id="42002" name="Object 18"/>
-          <p:cNvGraphicFramePr>
-            <a:graphicFrameLocks noChangeAspect="1"/>
-          </p:cNvGraphicFramePr>
-          <p:nvPr/>
-        </p:nvGraphicFramePr>
-        <p:xfrm>
-          <a:off x="5430838" y="4586287"/>
-          <a:ext cx="284162" cy="374650"/>
-        </p:xfrm>
-        <a:graphic>
-          <a:graphicData uri="http://schemas.openxmlformats.org/presentationml/2006/ole">
-            <p:oleObj spid="_x0000_s42002" name="Equation" r:id="rId9" imgW="152280" imgH="203040" progId="Equation.DSMT4">
-              <p:embed/>
-            </p:oleObj>
-          </a:graphicData>
-        </a:graphic>
-      </p:graphicFrame>
-      <p:graphicFrame>
-        <p:nvGraphicFramePr>
-          <p:cNvPr id="42003" name="Object 19"/>
-          <p:cNvGraphicFramePr>
-            <a:graphicFrameLocks noChangeAspect="1"/>
-          </p:cNvGraphicFramePr>
-          <p:nvPr/>
-        </p:nvGraphicFramePr>
-        <p:xfrm>
-          <a:off x="5978525" y="3873500"/>
-          <a:ext cx="284163" cy="257175"/>
-        </p:xfrm>
-        <a:graphic>
-          <a:graphicData uri="http://schemas.openxmlformats.org/presentationml/2006/ole">
-            <p:oleObj spid="_x0000_s42003" name="Equation" r:id="rId10" imgW="152280" imgH="139680" progId="Equation.DSMT4">
-              <p:embed/>
-            </p:oleObj>
-          </a:graphicData>
-        </a:graphic>
-      </p:graphicFrame>
-      <p:cxnSp>
-        <p:nvCxnSpPr>
-          <p:cNvPr id="97" name="Straight Arrow Connector 96"/>
-          <p:cNvCxnSpPr/>
-          <p:nvPr/>
-        </p:nvCxnSpPr>
-        <p:spPr>
-          <a:xfrm flipH="1" flipV="1">
-            <a:off x="5676901" y="3357563"/>
-            <a:ext cx="9524" cy="962025"/>
-          </a:xfrm>
-          <a:prstGeom prst="straightConnector1">
-            <a:avLst/>
-          </a:prstGeom>
-          <a:ln w="9525">
-            <a:solidFill>
-              <a:schemeClr val="tx1"/>
-            </a:solidFill>
-            <a:prstDash val="dash"/>
-            <a:tailEnd type="none" w="lg" len="med"/>
+            <a:tailEnd type="stealth" w="lg" len="med"/>
           </a:ln>
         </p:spPr>
         <p:style>
@@ -3673,24 +3879,25 @@
       </p:cxnSp>
       <p:cxnSp>
         <p:nvCxnSpPr>
-          <p:cNvPr id="101" name="Straight Arrow Connector 100"/>
-          <p:cNvCxnSpPr/>
+          <p:cNvPr id="77" name="Straight Arrow Connector 76"/>
+          <p:cNvCxnSpPr>
+            <a:endCxn id="28686" idx="2"/>
+          </p:cNvCxnSpPr>
           <p:nvPr/>
         </p:nvCxnSpPr>
         <p:spPr>
-          <a:xfrm flipV="1">
-            <a:off x="5010151" y="4321039"/>
-            <a:ext cx="678955" cy="308111"/>
+          <a:xfrm>
+            <a:off x="3722915" y="1408923"/>
+            <a:ext cx="84070" cy="718263"/>
           </a:xfrm>
           <a:prstGeom prst="straightConnector1">
             <a:avLst/>
           </a:prstGeom>
-          <a:ln w="9525">
+          <a:ln w="15875">
             <a:solidFill>
               <a:schemeClr val="tx1"/>
             </a:solidFill>
-            <a:prstDash val="dash"/>
-            <a:tailEnd type="none" w="lg" len="med"/>
+            <a:tailEnd type="stealth" w="lg" len="med"/>
           </a:ln>
         </p:spPr>
         <p:style>
@@ -3708,6 +3915,232 @@
           </a:fontRef>
         </p:style>
       </p:cxnSp>
+      <p:graphicFrame>
+        <p:nvGraphicFramePr>
+          <p:cNvPr id="28687" name="Object 23"/>
+          <p:cNvGraphicFramePr>
+            <a:graphicFrameLocks noChangeAspect="1"/>
+          </p:cNvGraphicFramePr>
+          <p:nvPr/>
+        </p:nvGraphicFramePr>
+        <p:xfrm>
+          <a:off x="2415173" y="770457"/>
+          <a:ext cx="306387" cy="422275"/>
+        </p:xfrm>
+        <a:graphic>
+          <a:graphicData uri="http://schemas.openxmlformats.org/presentationml/2006/ole">
+            <p:oleObj spid="_x0000_s28687" name="Equation" r:id="rId8" imgW="164880" imgH="228600" progId="Equation.DSMT4">
+              <p:embed/>
+            </p:oleObj>
+          </a:graphicData>
+        </a:graphic>
+      </p:graphicFrame>
+      <p:graphicFrame>
+        <p:nvGraphicFramePr>
+          <p:cNvPr id="28689" name="Object 24"/>
+          <p:cNvGraphicFramePr>
+            <a:graphicFrameLocks noChangeAspect="1"/>
+          </p:cNvGraphicFramePr>
+          <p:nvPr/>
+        </p:nvGraphicFramePr>
+        <p:xfrm>
+          <a:off x="4188701" y="801850"/>
+          <a:ext cx="330200" cy="422275"/>
+        </p:xfrm>
+        <a:graphic>
+          <a:graphicData uri="http://schemas.openxmlformats.org/presentationml/2006/ole">
+            <p:oleObj spid="_x0000_s28689" name="Equation" r:id="rId9" imgW="177480" imgH="228600" progId="Equation.DSMT4">
+              <p:embed/>
+            </p:oleObj>
+          </a:graphicData>
+        </a:graphic>
+      </p:graphicFrame>
+      <p:graphicFrame>
+        <p:nvGraphicFramePr>
+          <p:cNvPr id="28690" name="Object 25"/>
+          <p:cNvGraphicFramePr>
+            <a:graphicFrameLocks noChangeAspect="1"/>
+          </p:cNvGraphicFramePr>
+          <p:nvPr/>
+        </p:nvGraphicFramePr>
+        <p:xfrm>
+          <a:off x="3112442" y="2242264"/>
+          <a:ext cx="306387" cy="422275"/>
+        </p:xfrm>
+        <a:graphic>
+          <a:graphicData uri="http://schemas.openxmlformats.org/presentationml/2006/ole">
+            <p:oleObj spid="_x0000_s28690" name="Equation" r:id="rId10" imgW="164880" imgH="228600" progId="Equation.DSMT4">
+              <p:embed/>
+            </p:oleObj>
+          </a:graphicData>
+        </a:graphic>
+      </p:graphicFrame>
+      <p:graphicFrame>
+        <p:nvGraphicFramePr>
+          <p:cNvPr id="82" name="Object 23"/>
+          <p:cNvGraphicFramePr>
+            <a:graphicFrameLocks noChangeAspect="1"/>
+          </p:cNvGraphicFramePr>
+          <p:nvPr/>
+        </p:nvGraphicFramePr>
+        <p:xfrm>
+          <a:off x="2508478" y="1248011"/>
+          <a:ext cx="318698" cy="439243"/>
+        </p:xfrm>
+        <a:graphic>
+          <a:graphicData uri="http://schemas.openxmlformats.org/presentationml/2006/ole">
+            <p:oleObj spid="_x0000_s28691" name="Equation" r:id="rId11" imgW="164880" imgH="228600" progId="Equation.DSMT4">
+              <p:embed/>
+            </p:oleObj>
+          </a:graphicData>
+        </a:graphic>
+      </p:graphicFrame>
+      <p:graphicFrame>
+        <p:nvGraphicFramePr>
+          <p:cNvPr id="83" name="Object 24"/>
+          <p:cNvGraphicFramePr>
+            <a:graphicFrameLocks noChangeAspect="1"/>
+          </p:cNvGraphicFramePr>
+          <p:nvPr/>
+        </p:nvGraphicFramePr>
+        <p:xfrm>
+          <a:off x="3759493" y="596577"/>
+          <a:ext cx="330200" cy="422275"/>
+        </p:xfrm>
+        <a:graphic>
+          <a:graphicData uri="http://schemas.openxmlformats.org/presentationml/2006/ole">
+            <p:oleObj spid="_x0000_s28692" name="Equation" r:id="rId12" imgW="177480" imgH="228600" progId="Equation.DSMT4">
+              <p:embed/>
+            </p:oleObj>
+          </a:graphicData>
+        </a:graphic>
+      </p:graphicFrame>
+      <p:graphicFrame>
+        <p:nvGraphicFramePr>
+          <p:cNvPr id="84" name="Object 25"/>
+          <p:cNvGraphicFramePr>
+            <a:graphicFrameLocks noChangeAspect="1"/>
+          </p:cNvGraphicFramePr>
+          <p:nvPr/>
+        </p:nvGraphicFramePr>
+        <p:xfrm>
+          <a:off x="3467004" y="1831717"/>
+          <a:ext cx="306387" cy="422275"/>
+        </p:xfrm>
+        <a:graphic>
+          <a:graphicData uri="http://schemas.openxmlformats.org/presentationml/2006/ole">
+            <p:oleObj spid="_x0000_s28693" name="Equation" r:id="rId13" imgW="164880" imgH="228600" progId="Equation.DSMT4">
+              <p:embed/>
+            </p:oleObj>
+          </a:graphicData>
+        </a:graphic>
+      </p:graphicFrame>
+      <p:sp>
+        <p:nvSpPr>
+          <p:cNvPr id="85" name="Oval 84"/>
+          <p:cNvSpPr/>
+          <p:nvPr/>
+        </p:nvSpPr>
+        <p:spPr>
+          <a:xfrm>
+            <a:off x="3681315" y="1368686"/>
+            <a:ext cx="90001" cy="90001"/>
+          </a:xfrm>
+          <a:prstGeom prst="ellipse">
+            <a:avLst/>
+          </a:prstGeom>
+          <a:solidFill>
+            <a:schemeClr val="tx1"/>
+          </a:solidFill>
+          <a:ln w="25400">
+            <a:solidFill>
+              <a:schemeClr val="tx1"/>
+            </a:solidFill>
+            <a:tailEnd type="stealth" w="lg" len="med"/>
+          </a:ln>
+        </p:spPr>
+        <p:style>
+          <a:lnRef idx="1">
+            <a:schemeClr val="accent1"/>
+          </a:lnRef>
+          <a:fillRef idx="0">
+            <a:schemeClr val="accent1"/>
+          </a:fillRef>
+          <a:effectRef idx="0">
+            <a:schemeClr val="accent1"/>
+          </a:effectRef>
+          <a:fontRef idx="minor">
+            <a:schemeClr val="tx1"/>
+          </a:fontRef>
+        </p:style>
+        <p:txBody>
+          <a:bodyPr rtlCol="0" anchor="ctr"/>
+          <a:lstStyle/>
+          <a:p>
+            <a:pPr algn="ctr"/>
+            <a:endParaRPr lang="en-US"/>
+          </a:p>
+        </p:txBody>
+      </p:sp>
+      <p:cxnSp>
+        <p:nvCxnSpPr>
+          <p:cNvPr id="86" name="Straight Arrow Connector 85"/>
+          <p:cNvCxnSpPr>
+            <a:stCxn id="38" idx="0"/>
+            <a:endCxn id="85" idx="5"/>
+          </p:cNvCxnSpPr>
+          <p:nvPr/>
+        </p:nvCxnSpPr>
+        <p:spPr>
+          <a:xfrm flipH="1" flipV="1">
+            <a:off x="3758136" y="1445507"/>
+            <a:ext cx="702189" cy="2150085"/>
+          </a:xfrm>
+          <a:prstGeom prst="straightConnector1">
+            <a:avLst/>
+          </a:prstGeom>
+          <a:ln w="15875">
+            <a:solidFill>
+              <a:schemeClr val="tx1"/>
+            </a:solidFill>
+            <a:tailEnd type="stealth" w="lg" len="med"/>
+          </a:ln>
+        </p:spPr>
+        <p:style>
+          <a:lnRef idx="1">
+            <a:schemeClr val="accent1"/>
+          </a:lnRef>
+          <a:fillRef idx="0">
+            <a:schemeClr val="accent1"/>
+          </a:fillRef>
+          <a:effectRef idx="0">
+            <a:schemeClr val="accent1"/>
+          </a:effectRef>
+          <a:fontRef idx="minor">
+            <a:schemeClr val="tx1"/>
+          </a:fontRef>
+        </p:style>
+      </p:cxnSp>
+      <p:graphicFrame>
+        <p:nvGraphicFramePr>
+          <p:cNvPr id="28694" name="Object 22"/>
+          <p:cNvGraphicFramePr>
+            <a:graphicFrameLocks noChangeAspect="1"/>
+          </p:cNvGraphicFramePr>
+          <p:nvPr/>
+        </p:nvGraphicFramePr>
+        <p:xfrm>
+          <a:off x="4198938" y="2303463"/>
+          <a:ext cx="211137" cy="234950"/>
+        </p:xfrm>
+        <a:graphic>
+          <a:graphicData uri="http://schemas.openxmlformats.org/presentationml/2006/ole">
+            <p:oleObj spid="_x0000_s28694" name="Equation" r:id="rId14" imgW="114120" imgH="126720" progId="Equation.DSMT4">
+              <p:embed/>
+            </p:oleObj>
+          </a:graphicData>
+        </a:graphic>
+      </p:graphicFrame>
     </p:spTree>
   </p:cSld>
   <p:clrMapOvr>
